--- a/개발자의삶_신희원.pptx
+++ b/개발자의삶_신희원.pptx
@@ -109,6 +109,11 @@
       </a:defRPr>
     </a:lvl9pPr>
   </p:defaultTextStyle>
+  <p:extLst>
+    <p:ext uri="{EFAFB233-063F-42B5-8137-9DF3F51BA10A}">
+      <p15:sldGuideLst xmlns:p15="http://schemas.microsoft.com/office/powerpoint/2012/main"/>
+    </p:ext>
+  </p:extLst>
 </p:presentation>
 </file>
 
@@ -5985,8 +5990,8 @@
         </p:nvSpPr>
         <p:spPr>
           <a:xfrm>
-            <a:off x="931333" y="1557867"/>
-            <a:ext cx="2946640" cy="1200329"/>
+            <a:off x="768494" y="1557867"/>
+            <a:ext cx="6645602" cy="3416320"/>
           </a:xfrm>
           <a:prstGeom prst="rect">
             <a:avLst/>
@@ -6012,7 +6017,119 @@
             <a:endParaRPr lang="en-US" altLang="ko-KR" sz="2400" dirty="0"/>
           </a:p>
           <a:p>
-            <a:endParaRPr lang="ko-KR" altLang="en-US" sz="2400" dirty="0"/>
+            <a:r>
+              <a:rPr lang="en-US" altLang="ko-KR" sz="2400" dirty="0" smtClean="0"/>
+              <a:t>1998</a:t>
+            </a:r>
+            <a:r>
+              <a:rPr lang="ko-KR" altLang="en-US" sz="2400" dirty="0" smtClean="0"/>
+              <a:t>년 </a:t>
+            </a:r>
+            <a:r>
+              <a:rPr lang="en-US" altLang="ko-KR" sz="2400" dirty="0" smtClean="0"/>
+              <a:t>08</a:t>
+            </a:r>
+            <a:r>
+              <a:rPr lang="ko-KR" altLang="en-US" sz="2400" dirty="0" smtClean="0"/>
+              <a:t>월 </a:t>
+            </a:r>
+            <a:r>
+              <a:rPr lang="en-US" altLang="ko-KR" sz="2400" dirty="0" smtClean="0"/>
+              <a:t>05</a:t>
+            </a:r>
+            <a:r>
+              <a:rPr lang="ko-KR" altLang="en-US" sz="2400" dirty="0" smtClean="0"/>
+              <a:t>일 출생</a:t>
+            </a:r>
+            <a:endParaRPr lang="en-US" altLang="ko-KR" sz="2400" dirty="0" smtClean="0"/>
+          </a:p>
+          <a:p>
+            <a:r>
+              <a:rPr lang="ko-KR" altLang="en-US" sz="2400" dirty="0" smtClean="0"/>
+              <a:t>항공서비스학과 졸업</a:t>
+            </a:r>
+            <a:endParaRPr lang="en-US" altLang="ko-KR" sz="2400" dirty="0" smtClean="0"/>
+          </a:p>
+          <a:p>
+            <a:r>
+              <a:rPr lang="ko-KR" altLang="en-US" sz="2400" dirty="0" smtClean="0"/>
+              <a:t>취미 </a:t>
+            </a:r>
+            <a:r>
+              <a:rPr lang="en-US" altLang="ko-KR" sz="2400" dirty="0" smtClean="0"/>
+              <a:t>: </a:t>
+            </a:r>
+            <a:r>
+              <a:rPr lang="ko-KR" altLang="en-US" sz="2400" dirty="0" smtClean="0"/>
+              <a:t>운동</a:t>
+            </a:r>
+            <a:r>
+              <a:rPr lang="en-US" altLang="ko-KR" sz="2400" dirty="0" smtClean="0"/>
+              <a:t>, </a:t>
+            </a:r>
+            <a:r>
+              <a:rPr lang="ko-KR" altLang="en-US" sz="2400" dirty="0" smtClean="0"/>
+              <a:t>여행</a:t>
+            </a:r>
+            <a:endParaRPr lang="en-US" altLang="ko-KR" sz="2400" dirty="0" smtClean="0"/>
+          </a:p>
+          <a:p>
+            <a:endParaRPr lang="en-US" altLang="ko-KR" sz="2400" dirty="0" smtClean="0"/>
+          </a:p>
+          <a:p>
+            <a:r>
+              <a:rPr lang="ko-KR" altLang="en-US" sz="2400" dirty="0" smtClean="0"/>
+              <a:t>계기 </a:t>
+            </a:r>
+            <a:r>
+              <a:rPr lang="en-US" altLang="ko-KR" sz="2400" dirty="0" smtClean="0"/>
+              <a:t>: </a:t>
+            </a:r>
+            <a:r>
+              <a:rPr lang="ko-KR" altLang="en-US" sz="2400" dirty="0" smtClean="0"/>
+              <a:t>평소 </a:t>
+            </a:r>
+            <a:r>
+              <a:rPr lang="en-US" altLang="ko-KR" sz="2400" dirty="0" smtClean="0"/>
+              <a:t>IT </a:t>
+            </a:r>
+            <a:r>
+              <a:rPr lang="ko-KR" altLang="en-US" sz="2400" dirty="0" smtClean="0"/>
+              <a:t>계열에 관심을 가지고 있었으나</a:t>
+            </a:r>
+            <a:r>
+              <a:rPr lang="en-US" altLang="ko-KR" sz="2400" dirty="0" smtClean="0"/>
+              <a:t>, </a:t>
+            </a:r>
+          </a:p>
+          <a:p>
+            <a:r>
+              <a:rPr lang="en-US" altLang="ko-KR" sz="2400" dirty="0" smtClean="0"/>
+              <a:t>		</a:t>
+            </a:r>
+            <a:r>
+              <a:rPr lang="ko-KR" altLang="en-US" sz="2400" dirty="0" smtClean="0"/>
+              <a:t>경험을 해 볼 기회가 많지 않아서 </a:t>
+            </a:r>
+            <a:endParaRPr lang="en-US" altLang="ko-KR" sz="2400" dirty="0" smtClean="0"/>
+          </a:p>
+          <a:p>
+            <a:r>
+              <a:rPr lang="en-US" altLang="ko-KR" sz="2400" dirty="0"/>
+              <a:t>	</a:t>
+            </a:r>
+            <a:r>
+              <a:rPr lang="en-US" altLang="ko-KR" sz="2400" dirty="0" smtClean="0"/>
+              <a:t>	</a:t>
+            </a:r>
+            <a:r>
+              <a:rPr lang="ko-KR" altLang="en-US" sz="2400" dirty="0" smtClean="0"/>
+              <a:t>이번 기회에 도전을 하게 되었다</a:t>
+            </a:r>
+            <a:r>
+              <a:rPr lang="en-US" altLang="ko-KR" sz="2400" dirty="0" smtClean="0"/>
+              <a:t>.</a:t>
+            </a:r>
           </a:p>
         </p:txBody>
       </p:sp>
@@ -6234,7 +6351,7 @@
         <p:spPr>
           <a:xfrm>
             <a:off x="889000" y="1464734"/>
-            <a:ext cx="7083991" cy="1569660"/>
+            <a:ext cx="4926349" cy="2308324"/>
           </a:xfrm>
           <a:prstGeom prst="rect">
             <a:avLst/>
@@ -6258,19 +6375,50 @@
           </a:p>
           <a:p>
             <a:r>
+              <a:rPr lang="en-US" altLang="ko-KR" sz="2400" dirty="0" smtClean="0"/>
+              <a:t>1. </a:t>
+            </a:r>
+            <a:r>
+              <a:rPr lang="ko-KR" altLang="en-US" sz="2400" dirty="0" smtClean="0"/>
+              <a:t>빠르게 변화하는 트렌드에 맞춘 </a:t>
+            </a:r>
+            <a:endParaRPr lang="en-US" altLang="ko-KR" sz="2400" dirty="0" smtClean="0"/>
+          </a:p>
+          <a:p>
+            <a:r>
+              <a:rPr lang="en-US" altLang="ko-KR" sz="2400" dirty="0" smtClean="0"/>
+              <a:t>2. </a:t>
+            </a:r>
+            <a:r>
+              <a:rPr lang="ko-KR" altLang="en-US" sz="2400" dirty="0" smtClean="0"/>
+              <a:t>누구나 </a:t>
+            </a:r>
+            <a:r>
               <a:rPr lang="ko-KR" altLang="en-US" sz="2400" dirty="0"/>
-              <a:t> 누구나 사용할 수 있도록 쉽고 편리한 기능 개발</a:t>
-            </a:r>
-            <a:r>
-              <a:rPr lang="en-US" altLang="ko-KR" sz="2400" dirty="0"/>
-              <a:t>.</a:t>
-            </a:r>
-          </a:p>
-          <a:p>
+              <a:t>사용할 수 있도록 </a:t>
+            </a:r>
+            <a:endParaRPr lang="en-US" altLang="ko-KR" sz="2400" dirty="0" smtClean="0"/>
+          </a:p>
+          <a:p>
+            <a:r>
+              <a:rPr lang="en-US" altLang="ko-KR" sz="2400" dirty="0" smtClean="0"/>
+              <a:t>3. </a:t>
+            </a:r>
+            <a:r>
+              <a:rPr lang="ko-KR" altLang="en-US" sz="2400" dirty="0" smtClean="0"/>
+              <a:t>쉽고 </a:t>
+            </a:r>
             <a:r>
               <a:rPr lang="ko-KR" altLang="en-US" sz="2400" dirty="0"/>
-              <a:t>  </a:t>
-            </a:r>
+              <a:t>편리한 </a:t>
+            </a:r>
+            <a:r>
+              <a:rPr lang="ko-KR" altLang="en-US" sz="2400" dirty="0" smtClean="0"/>
+              <a:t>기능을 개발</a:t>
+            </a:r>
+            <a:endParaRPr lang="en-US" altLang="ko-KR" sz="2400" dirty="0" smtClean="0"/>
+          </a:p>
+          <a:p>
             <a:endParaRPr lang="en-US" altLang="ko-KR" sz="2400" dirty="0"/>
           </a:p>
         </p:txBody>
@@ -6480,7 +6628,7 @@
         <p:spPr>
           <a:xfrm>
             <a:off x="887634" y="1430867"/>
-            <a:ext cx="5359159" cy="1200329"/>
+            <a:ext cx="5359159" cy="1569660"/>
           </a:xfrm>
           <a:prstGeom prst="rect">
             <a:avLst/>
@@ -6504,9 +6652,33 @@
           </a:p>
           <a:p>
             <a:r>
-              <a:rPr lang="ko-KR" altLang="en-US" sz="2400" dirty="0"/>
-              <a:t>연습과 반복 </a:t>
-            </a:r>
+              <a:rPr lang="ko-KR" altLang="en-US" sz="2400" dirty="0" smtClean="0"/>
+              <a:t> </a:t>
+            </a:r>
+            <a:r>
+              <a:rPr lang="en-US" altLang="ko-KR" sz="2400" dirty="0" smtClean="0"/>
+              <a:t>- </a:t>
+            </a:r>
+            <a:r>
+              <a:rPr lang="ko-KR" altLang="en-US" sz="2400" dirty="0" smtClean="0"/>
+              <a:t>연습과 반복</a:t>
+            </a:r>
+            <a:endParaRPr lang="en-US" altLang="ko-KR" sz="2400" dirty="0" smtClean="0"/>
+          </a:p>
+          <a:p>
+            <a:r>
+              <a:rPr lang="ko-KR" altLang="en-US" sz="2400" dirty="0" smtClean="0"/>
+              <a:t> </a:t>
+            </a:r>
+            <a:r>
+              <a:rPr lang="en-US" altLang="ko-KR" sz="2400" dirty="0" smtClean="0"/>
+              <a:t>- </a:t>
+            </a:r>
+            <a:r>
+              <a:rPr lang="ko-KR" altLang="en-US" sz="2400" dirty="0" smtClean="0"/>
+              <a:t>능력 향상</a:t>
+            </a:r>
+            <a:endParaRPr lang="ko-KR" altLang="en-US" sz="2400" dirty="0"/>
           </a:p>
         </p:txBody>
       </p:sp>
